--- a/finalproject/presentation.pptx
+++ b/finalproject/presentation.pptx
@@ -202,7 +202,7 @@
           <a:p>
             <a:fld id="{10348AEE-C529-471F-86D4-43E4929AF7FF}" type="datetimeFigureOut">
               <a:rPr lang="uk-UA" smtClean="0"/>
-              <a:t>05.02.2023</a:t>
+              <a:t>08.03.2023</a:t>
             </a:fld>
             <a:endParaRPr lang="uk-UA"/>
           </a:p>
@@ -717,7 +717,7 @@
           <a:p>
             <a:fld id="{05CF2E03-CB7B-472D-A07A-46D58E425E8A}" type="datetimeFigureOut">
               <a:rPr lang="uk-UA" smtClean="0"/>
-              <a:t>05.02.2023</a:t>
+              <a:t>08.03.2023</a:t>
             </a:fld>
             <a:endParaRPr lang="uk-UA"/>
           </a:p>
@@ -887,7 +887,7 @@
           <a:p>
             <a:fld id="{05CF2E03-CB7B-472D-A07A-46D58E425E8A}" type="datetimeFigureOut">
               <a:rPr lang="uk-UA" smtClean="0"/>
-              <a:t>05.02.2023</a:t>
+              <a:t>08.03.2023</a:t>
             </a:fld>
             <a:endParaRPr lang="uk-UA"/>
           </a:p>
@@ -1067,7 +1067,7 @@
           <a:p>
             <a:fld id="{05CF2E03-CB7B-472D-A07A-46D58E425E8A}" type="datetimeFigureOut">
               <a:rPr lang="uk-UA" smtClean="0"/>
-              <a:t>05.02.2023</a:t>
+              <a:t>08.03.2023</a:t>
             </a:fld>
             <a:endParaRPr lang="uk-UA"/>
           </a:p>
@@ -1237,7 +1237,7 @@
           <a:p>
             <a:fld id="{05CF2E03-CB7B-472D-A07A-46D58E425E8A}" type="datetimeFigureOut">
               <a:rPr lang="uk-UA" smtClean="0"/>
-              <a:t>05.02.2023</a:t>
+              <a:t>08.03.2023</a:t>
             </a:fld>
             <a:endParaRPr lang="uk-UA"/>
           </a:p>
@@ -1505,7 +1505,7 @@
           <a:p>
             <a:fld id="{05CF2E03-CB7B-472D-A07A-46D58E425E8A}" type="datetimeFigureOut">
               <a:rPr lang="uk-UA" smtClean="0"/>
-              <a:t>05.02.2023</a:t>
+              <a:t>08.03.2023</a:t>
             </a:fld>
             <a:endParaRPr lang="uk-UA"/>
           </a:p>
@@ -1737,7 +1737,7 @@
           <a:p>
             <a:fld id="{05CF2E03-CB7B-472D-A07A-46D58E425E8A}" type="datetimeFigureOut">
               <a:rPr lang="uk-UA" smtClean="0"/>
-              <a:t>05.02.2023</a:t>
+              <a:t>08.03.2023</a:t>
             </a:fld>
             <a:endParaRPr lang="uk-UA"/>
           </a:p>
@@ -2101,7 +2101,7 @@
           <a:p>
             <a:fld id="{05CF2E03-CB7B-472D-A07A-46D58E425E8A}" type="datetimeFigureOut">
               <a:rPr lang="uk-UA" smtClean="0"/>
-              <a:t>05.02.2023</a:t>
+              <a:t>08.03.2023</a:t>
             </a:fld>
             <a:endParaRPr lang="uk-UA"/>
           </a:p>
@@ -2242,7 +2242,7 @@
           <a:p>
             <a:fld id="{05CF2E03-CB7B-472D-A07A-46D58E425E8A}" type="datetimeFigureOut">
               <a:rPr lang="uk-UA" smtClean="0"/>
-              <a:t>05.02.2023</a:t>
+              <a:t>08.03.2023</a:t>
             </a:fld>
             <a:endParaRPr lang="uk-UA"/>
           </a:p>
@@ -2337,7 +2337,7 @@
           <a:p>
             <a:fld id="{05CF2E03-CB7B-472D-A07A-46D58E425E8A}" type="datetimeFigureOut">
               <a:rPr lang="uk-UA" smtClean="0"/>
-              <a:t>05.02.2023</a:t>
+              <a:t>08.03.2023</a:t>
             </a:fld>
             <a:endParaRPr lang="uk-UA"/>
           </a:p>
@@ -2694,7 +2694,7 @@
           <a:p>
             <a:fld id="{05CF2E03-CB7B-472D-A07A-46D58E425E8A}" type="datetimeFigureOut">
               <a:rPr lang="uk-UA" smtClean="0"/>
-              <a:t>05.02.2023</a:t>
+              <a:t>08.03.2023</a:t>
             </a:fld>
             <a:endParaRPr lang="uk-UA"/>
           </a:p>
@@ -3056,7 +3056,7 @@
           <a:p>
             <a:fld id="{05CF2E03-CB7B-472D-A07A-46D58E425E8A}" type="datetimeFigureOut">
               <a:rPr lang="uk-UA" smtClean="0"/>
-              <a:t>05.02.2023</a:t>
+              <a:t>08.03.2023</a:t>
             </a:fld>
             <a:endParaRPr lang="uk-UA"/>
           </a:p>
@@ -3297,7 +3297,7 @@
           <a:p>
             <a:fld id="{05CF2E03-CB7B-472D-A07A-46D58E425E8A}" type="datetimeFigureOut">
               <a:rPr lang="uk-UA" smtClean="0"/>
-              <a:t>05.02.2023</a:t>
+              <a:t>08.03.2023</a:t>
             </a:fld>
             <a:endParaRPr lang="uk-UA"/>
           </a:p>
@@ -3898,9 +3898,16 @@
             <p:ph type="title"/>
           </p:nvPr>
         </p:nvSpPr>
-        <p:spPr/>
-        <p:txBody>
-          <a:bodyPr/>
+        <p:spPr>
+          <a:xfrm>
+            <a:off x="2080216" y="679197"/>
+            <a:ext cx="7729728" cy="634455"/>
+          </a:xfrm>
+        </p:spPr>
+        <p:txBody>
+          <a:bodyPr>
+            <a:normAutofit fontScale="90000"/>
+          </a:bodyPr>
           <a:lstStyle/>
           <a:p>
             <a:r>
@@ -3911,21 +3918,375 @@
           </a:p>
         </p:txBody>
       </p:sp>
-      <p:sp>
-        <p:nvSpPr>
-          <p:cNvPr id="3" name="Місце для вмісту 2"/>
-          <p:cNvSpPr>
-            <a:spLocks noGrp="1"/>
-          </p:cNvSpPr>
+      <p:pic>
+        <p:nvPicPr>
+          <p:cNvPr id="4" name="Місце для вмісту 3"/>
+          <p:cNvPicPr>
+            <a:picLocks noGrp="1" noChangeAspect="1"/>
+          </p:cNvPicPr>
           <p:nvPr>
             <p:ph idx="1"/>
           </p:nvPr>
-        </p:nvSpPr>
-        <p:spPr/>
-        <p:txBody>
-          <a:bodyPr/>
+        </p:nvPicPr>
+        <p:blipFill>
+          <a:blip r:embed="rId2">
+            <a:extLst>
+              <a:ext uri="{28A0092B-C50C-407E-A947-70E740481C1C}">
+                <a14:useLocalDpi xmlns:a14="http://schemas.microsoft.com/office/drawing/2010/main" val="0"/>
+              </a:ext>
+            </a:extLst>
+          </a:blip>
+          <a:stretch>
+            <a:fillRect/>
+          </a:stretch>
+        </p:blipFill>
+        <p:spPr>
+          <a:xfrm>
+            <a:off x="1658320" y="2373559"/>
+            <a:ext cx="2528379" cy="2528379"/>
+          </a:xfrm>
+        </p:spPr>
+      </p:pic>
+      <p:pic>
+        <p:nvPicPr>
+          <p:cNvPr id="5" name="Рисунок 4"/>
+          <p:cNvPicPr>
+            <a:picLocks noChangeAspect="1"/>
+          </p:cNvPicPr>
+          <p:nvPr/>
+        </p:nvPicPr>
+        <p:blipFill>
+          <a:blip r:embed="rId3" cstate="print">
+            <a:extLst>
+              <a:ext uri="{28A0092B-C50C-407E-A947-70E740481C1C}">
+                <a14:useLocalDpi xmlns:a14="http://schemas.microsoft.com/office/drawing/2010/main" val="0"/>
+              </a:ext>
+            </a:extLst>
+          </a:blip>
+          <a:stretch>
+            <a:fillRect/>
+          </a:stretch>
+        </p:blipFill>
+        <p:spPr>
+          <a:xfrm>
+            <a:off x="3787240" y="2165704"/>
+            <a:ext cx="1267178" cy="1265309"/>
+          </a:xfrm>
+          <a:prstGeom prst="rect">
+            <a:avLst/>
+          </a:prstGeom>
+        </p:spPr>
+      </p:pic>
+      <p:pic>
+        <p:nvPicPr>
+          <p:cNvPr id="6" name="Рисунок 5"/>
+          <p:cNvPicPr>
+            <a:picLocks noChangeAspect="1"/>
+          </p:cNvPicPr>
+          <p:nvPr/>
+        </p:nvPicPr>
+        <p:blipFill>
+          <a:blip r:embed="rId4" cstate="print">
+            <a:extLst>
+              <a:ext uri="{28A0092B-C50C-407E-A947-70E740481C1C}">
+                <a14:useLocalDpi xmlns:a14="http://schemas.microsoft.com/office/drawing/2010/main" val="0"/>
+              </a:ext>
+            </a:extLst>
+          </a:blip>
+          <a:stretch>
+            <a:fillRect/>
+          </a:stretch>
+        </p:blipFill>
+        <p:spPr>
+          <a:xfrm>
+            <a:off x="3802890" y="3551008"/>
+            <a:ext cx="1235879" cy="1238297"/>
+          </a:xfrm>
+          <a:prstGeom prst="rect">
+            <a:avLst/>
+          </a:prstGeom>
+        </p:spPr>
+      </p:pic>
+      <p:sp>
+        <p:nvSpPr>
+          <p:cNvPr id="8" name="Прямокутник 7"/>
+          <p:cNvSpPr/>
+          <p:nvPr/>
+        </p:nvSpPr>
+        <p:spPr>
+          <a:xfrm>
+            <a:off x="857884" y="4954027"/>
+            <a:ext cx="4162652" cy="1171603"/>
+          </a:xfrm>
+          <a:prstGeom prst="rect">
+            <a:avLst/>
+          </a:prstGeom>
+        </p:spPr>
+        <p:style>
+          <a:lnRef idx="2">
+            <a:schemeClr val="dk1"/>
+          </a:lnRef>
+          <a:fillRef idx="1">
+            <a:schemeClr val="lt1"/>
+          </a:fillRef>
+          <a:effectRef idx="0">
+            <a:schemeClr val="dk1"/>
+          </a:effectRef>
+          <a:fontRef idx="minor">
+            <a:schemeClr val="dk1"/>
+          </a:fontRef>
+        </p:style>
+        <p:txBody>
+          <a:bodyPr rtlCol="0" anchor="ctr"/>
           <a:lstStyle/>
           <a:p>
+            <a:pPr algn="ctr"/>
+            <a:r>
+              <a:rPr lang="en-US" dirty="0" smtClean="0"/>
+              <a:t>Jenkins get configuration for pipelines from GitHub and use Terraform and </a:t>
+            </a:r>
+            <a:r>
+              <a:rPr lang="en-US" dirty="0" err="1" smtClean="0"/>
+              <a:t>Ansible</a:t>
+            </a:r>
+            <a:r>
+              <a:rPr lang="en-US" dirty="0" smtClean="0"/>
+              <a:t> to configure and prepare infrastructure on AWS.</a:t>
+            </a:r>
+            <a:endParaRPr lang="uk-UA" dirty="0"/>
+          </a:p>
+        </p:txBody>
+      </p:sp>
+      <p:pic>
+        <p:nvPicPr>
+          <p:cNvPr id="9" name="Рисунок 8"/>
+          <p:cNvPicPr>
+            <a:picLocks noChangeAspect="1"/>
+          </p:cNvPicPr>
+          <p:nvPr/>
+        </p:nvPicPr>
+        <p:blipFill>
+          <a:blip r:embed="rId5" cstate="print">
+            <a:extLst>
+              <a:ext uri="{28A0092B-C50C-407E-A947-70E740481C1C}">
+                <a14:useLocalDpi xmlns:a14="http://schemas.microsoft.com/office/drawing/2010/main" val="0"/>
+              </a:ext>
+            </a:extLst>
+          </a:blip>
+          <a:stretch>
+            <a:fillRect/>
+          </a:stretch>
+        </p:blipFill>
+        <p:spPr>
+          <a:xfrm>
+            <a:off x="6820708" y="2176271"/>
+            <a:ext cx="3637856" cy="1909874"/>
+          </a:xfrm>
+          <a:prstGeom prst="rect">
+            <a:avLst/>
+          </a:prstGeom>
+        </p:spPr>
+      </p:pic>
+      <p:pic>
+        <p:nvPicPr>
+          <p:cNvPr id="7" name="Рисунок 6"/>
+          <p:cNvPicPr>
+            <a:picLocks noChangeAspect="1"/>
+          </p:cNvPicPr>
+          <p:nvPr/>
+        </p:nvPicPr>
+        <p:blipFill>
+          <a:blip r:embed="rId6" cstate="print">
+            <a:extLst>
+              <a:ext uri="{28A0092B-C50C-407E-A947-70E740481C1C}">
+                <a14:useLocalDpi xmlns:a14="http://schemas.microsoft.com/office/drawing/2010/main" val="0"/>
+              </a:ext>
+            </a:extLst>
+          </a:blip>
+          <a:stretch>
+            <a:fillRect/>
+          </a:stretch>
+        </p:blipFill>
+        <p:spPr>
+          <a:xfrm>
+            <a:off x="9058340" y="3517315"/>
+            <a:ext cx="1918475" cy="1641492"/>
+          </a:xfrm>
+          <a:prstGeom prst="rect">
+            <a:avLst/>
+          </a:prstGeom>
+        </p:spPr>
+      </p:pic>
+      <p:pic>
+        <p:nvPicPr>
+          <p:cNvPr id="10" name="Рисунок 9"/>
+          <p:cNvPicPr>
+            <a:picLocks noChangeAspect="1"/>
+          </p:cNvPicPr>
+          <p:nvPr/>
+        </p:nvPicPr>
+        <p:blipFill>
+          <a:blip r:embed="rId7" cstate="print">
+            <a:extLst>
+              <a:ext uri="{28A0092B-C50C-407E-A947-70E740481C1C}">
+                <a14:useLocalDpi xmlns:a14="http://schemas.microsoft.com/office/drawing/2010/main" val="0"/>
+              </a:ext>
+            </a:extLst>
+          </a:blip>
+          <a:stretch>
+            <a:fillRect/>
+          </a:stretch>
+        </p:blipFill>
+        <p:spPr>
+          <a:xfrm>
+            <a:off x="143901" y="1644541"/>
+            <a:ext cx="1479697" cy="832329"/>
+          </a:xfrm>
+          <a:prstGeom prst="rect">
+            <a:avLst/>
+          </a:prstGeom>
+        </p:spPr>
+      </p:pic>
+      <p:sp>
+        <p:nvSpPr>
+          <p:cNvPr id="12" name="Стрілка вниз 11"/>
+          <p:cNvSpPr/>
+          <p:nvPr/>
+        </p:nvSpPr>
+        <p:spPr>
+          <a:xfrm rot="16200000">
+            <a:off x="5761622" y="3031000"/>
+            <a:ext cx="236969" cy="1088448"/>
+          </a:xfrm>
+          <a:prstGeom prst="downArrow">
+            <a:avLst>
+              <a:gd name="adj1" fmla="val 50000"/>
+              <a:gd name="adj2" fmla="val 154208"/>
+            </a:avLst>
+          </a:prstGeom>
+        </p:spPr>
+        <p:style>
+          <a:lnRef idx="2">
+            <a:schemeClr val="accent1">
+              <a:shade val="50000"/>
+            </a:schemeClr>
+          </a:lnRef>
+          <a:fillRef idx="1">
+            <a:schemeClr val="accent1"/>
+          </a:fillRef>
+          <a:effectRef idx="0">
+            <a:schemeClr val="accent1"/>
+          </a:effectRef>
+          <a:fontRef idx="minor">
+            <a:schemeClr val="lt1"/>
+          </a:fontRef>
+        </p:style>
+        <p:txBody>
+          <a:bodyPr rtlCol="0" anchor="ctr"/>
+          <a:lstStyle/>
+          <a:p>
+            <a:pPr algn="ctr"/>
+            <a:endParaRPr lang="uk-UA"/>
+          </a:p>
+        </p:txBody>
+      </p:sp>
+      <p:sp>
+        <p:nvSpPr>
+          <p:cNvPr id="13" name="Стрілка вниз 12"/>
+          <p:cNvSpPr/>
+          <p:nvPr/>
+        </p:nvSpPr>
+        <p:spPr>
+          <a:xfrm rot="18363544">
+            <a:off x="1885133" y="2107380"/>
+            <a:ext cx="194984" cy="1154689"/>
+          </a:xfrm>
+          <a:prstGeom prst="downArrow">
+            <a:avLst>
+              <a:gd name="adj1" fmla="val 50000"/>
+              <a:gd name="adj2" fmla="val 154208"/>
+            </a:avLst>
+          </a:prstGeom>
+        </p:spPr>
+        <p:style>
+          <a:lnRef idx="2">
+            <a:schemeClr val="accent1">
+              <a:shade val="50000"/>
+            </a:schemeClr>
+          </a:lnRef>
+          <a:fillRef idx="1">
+            <a:schemeClr val="accent1"/>
+          </a:fillRef>
+          <a:effectRef idx="0">
+            <a:schemeClr val="accent1"/>
+          </a:effectRef>
+          <a:fontRef idx="minor">
+            <a:schemeClr val="lt1"/>
+          </a:fontRef>
+        </p:style>
+        <p:txBody>
+          <a:bodyPr rtlCol="0" anchor="ctr"/>
+          <a:lstStyle/>
+          <a:p>
+            <a:pPr algn="ctr"/>
+            <a:endParaRPr lang="uk-UA"/>
+          </a:p>
+        </p:txBody>
+      </p:sp>
+      <p:sp>
+        <p:nvSpPr>
+          <p:cNvPr id="15" name="Прямокутник 14"/>
+          <p:cNvSpPr/>
+          <p:nvPr/>
+        </p:nvSpPr>
+        <p:spPr>
+          <a:xfrm>
+            <a:off x="6150455" y="5328248"/>
+            <a:ext cx="4162652" cy="1171603"/>
+          </a:xfrm>
+          <a:prstGeom prst="rect">
+            <a:avLst/>
+          </a:prstGeom>
+        </p:spPr>
+        <p:style>
+          <a:lnRef idx="2">
+            <a:schemeClr val="dk1"/>
+          </a:lnRef>
+          <a:fillRef idx="1">
+            <a:schemeClr val="lt1"/>
+          </a:fillRef>
+          <a:effectRef idx="0">
+            <a:schemeClr val="dk1"/>
+          </a:effectRef>
+          <a:fontRef idx="minor">
+            <a:schemeClr val="dk1"/>
+          </a:fontRef>
+        </p:style>
+        <p:txBody>
+          <a:bodyPr rtlCol="0" anchor="ctr"/>
+          <a:lstStyle/>
+          <a:p>
+            <a:pPr algn="ctr"/>
+            <a:r>
+              <a:rPr lang="en-US" dirty="0" smtClean="0"/>
+              <a:t>Jenkins build </a:t>
+            </a:r>
+            <a:r>
+              <a:rPr lang="en-US" dirty="0" err="1" smtClean="0"/>
+              <a:t>docker</a:t>
+            </a:r>
+            <a:r>
+              <a:rPr lang="en-US" dirty="0" smtClean="0"/>
+              <a:t> image and upload it to </a:t>
+            </a:r>
+            <a:r>
+              <a:rPr lang="en-US" dirty="0" err="1" smtClean="0"/>
+              <a:t>docker</a:t>
+            </a:r>
+            <a:r>
+              <a:rPr lang="en-US" dirty="0" smtClean="0"/>
+              <a:t> hub. After that it can deploy it on configured EC2 instances.</a:t>
+            </a:r>
             <a:endParaRPr lang="uk-UA" dirty="0"/>
           </a:p>
         </p:txBody>
@@ -4840,11 +5201,6 @@
                     </a:rPr>
                     <a:t>Instance</a:t>
                   </a:r>
-                  <a:endParaRPr lang="en-US" sz="2000" dirty="0" smtClean="0">
-                    <a:solidFill>
-                      <a:schemeClr val="tx1"/>
-                    </a:solidFill>
-                  </a:endParaRPr>
                 </a:p>
                 <a:p>
                   <a:pPr marL="540000" lvl="1" indent="-288000">
@@ -4947,11 +5303,6 @@
                   </a:rPr>
                   <a:t>Instance</a:t>
                 </a:r>
-                <a:endParaRPr lang="en-US" sz="2000" dirty="0" smtClean="0">
-                  <a:solidFill>
-                    <a:schemeClr val="tx1"/>
-                  </a:solidFill>
-                </a:endParaRPr>
               </a:p>
               <a:p>
                 <a:pPr marL="540000" lvl="1" indent="-288000">
@@ -5054,11 +5405,6 @@
                 </a:rPr>
                 <a:t>test.mobiusz.tk</a:t>
               </a:r>
-              <a:endParaRPr lang="en-US" sz="2000" dirty="0" smtClean="0">
-                <a:solidFill>
-                  <a:schemeClr val="tx1"/>
-                </a:solidFill>
-              </a:endParaRPr>
             </a:p>
             <a:p>
               <a:pPr marL="540000" lvl="1" indent="-288000">
@@ -5073,11 +5419,6 @@
                 </a:rPr>
                 <a:t>prod.mobiusz.tk</a:t>
               </a:r>
-              <a:endParaRPr lang="en-US" sz="2000" dirty="0" smtClean="0">
-                <a:solidFill>
-                  <a:schemeClr val="tx1"/>
-                </a:solidFill>
-              </a:endParaRPr>
             </a:p>
           </p:txBody>
         </p:sp>
@@ -5143,11 +5484,7 @@
           <a:p>
             <a:r>
               <a:rPr lang="en-US" dirty="0" smtClean="0"/>
-              <a:t>Install </a:t>
-            </a:r>
-            <a:r>
-              <a:rPr lang="en-US" dirty="0" smtClean="0"/>
-              <a:t>SOFTWARE</a:t>
+              <a:t>Install SOFTWARE</a:t>
             </a:r>
             <a:endParaRPr lang="uk-UA" dirty="0"/>
           </a:p>
@@ -5291,7 +5628,15 @@
                     <a:schemeClr val="tx1"/>
                   </a:solidFill>
                 </a:rPr>
-                <a:t>SshAgent</a:t>
+                <a:t>Ansible</a:t>
+              </a:r>
+              <a:r>
+                <a:rPr lang="en-US" dirty="0" smtClean="0">
+                  <a:solidFill>
+                    <a:schemeClr val="tx1"/>
+                  </a:solidFill>
+                </a:rPr>
+                <a:t> Node</a:t>
               </a:r>
               <a:endParaRPr lang="uk-UA" dirty="0">
                 <a:solidFill>
@@ -5635,20 +5980,11 @@
                   </a:rPr>
                   <a:t>EC2</a:t>
                 </a:r>
-              </a:p>
-              <a:p>
-                <a:pPr marL="540000" lvl="1" indent="-288000">
-                  <a:buFont typeface="Arial" panose="020B0604020202020204" pitchFamily="34" charset="0"/>
-                  <a:buChar char="•"/>
-                </a:pPr>
-                <a:r>
-                  <a:rPr lang="en-US" sz="2000" dirty="0" smtClean="0">
-                    <a:solidFill>
-                      <a:schemeClr val="tx1"/>
-                    </a:solidFill>
-                  </a:rPr>
-                  <a:t>Update</a:t>
-                </a:r>
+                <a:endParaRPr lang="en-US" sz="2000" dirty="0" smtClean="0">
+                  <a:solidFill>
+                    <a:schemeClr val="tx1"/>
+                  </a:solidFill>
+                </a:endParaRPr>
               </a:p>
               <a:p>
                 <a:pPr marL="540000" lvl="1" indent="-288000">
@@ -5737,20 +6073,11 @@
                 </a:rPr>
                 <a:t>EC2</a:t>
               </a:r>
-            </a:p>
-            <a:p>
-              <a:pPr marL="540000" lvl="1" indent="-288000">
-                <a:buFont typeface="Arial" panose="020B0604020202020204" pitchFamily="34" charset="0"/>
-                <a:buChar char="•"/>
-              </a:pPr>
-              <a:r>
-                <a:rPr lang="en-US" sz="2000" dirty="0" smtClean="0">
-                  <a:solidFill>
-                    <a:schemeClr val="tx1"/>
-                  </a:solidFill>
-                </a:rPr>
-                <a:t>Update</a:t>
-              </a:r>
+              <a:endParaRPr lang="en-US" sz="2000" dirty="0" smtClean="0">
+                <a:solidFill>
+                  <a:schemeClr val="tx1"/>
+                </a:solidFill>
+              </a:endParaRPr>
             </a:p>
             <a:p>
               <a:pPr marL="540000" lvl="1" indent="-288000">
@@ -5836,12 +6163,52 @@
               <a:t>Connect to EC2 instances by </a:t>
             </a:r>
             <a:r>
+              <a:rPr lang="en-US" dirty="0" err="1">
+                <a:solidFill>
+                  <a:schemeClr val="tx1"/>
+                </a:solidFill>
+              </a:rPr>
+              <a:t>Ansible</a:t>
+            </a:r>
+            <a:r>
+              <a:rPr lang="en-US" dirty="0">
+                <a:solidFill>
+                  <a:schemeClr val="tx1"/>
+                </a:solidFill>
+              </a:rPr>
+              <a:t> </a:t>
+            </a:r>
+            <a:r>
+              <a:rPr lang="en-US" dirty="0" smtClean="0">
+                <a:solidFill>
+                  <a:schemeClr val="tx1"/>
+                </a:solidFill>
+              </a:rPr>
+              <a:t>to </a:t>
+            </a:r>
+            <a:r>
+              <a:rPr lang="en-US" dirty="0" smtClean="0">
+                <a:solidFill>
+                  <a:schemeClr val="tx1"/>
+                </a:solidFill>
+              </a:rPr>
+              <a:t>install </a:t>
+            </a:r>
+            <a:r>
+              <a:rPr lang="en-US" dirty="0" smtClean="0">
+                <a:solidFill>
+                  <a:schemeClr val="tx1"/>
+                </a:solidFill>
+              </a:rPr>
+              <a:t>software for project: Docker, </a:t>
+            </a:r>
+            <a:r>
               <a:rPr lang="en-US" dirty="0" err="1" smtClean="0">
                 <a:solidFill>
                   <a:schemeClr val="tx1"/>
                 </a:solidFill>
               </a:rPr>
-              <a:t>SshAgent</a:t>
+              <a:t>docker</a:t>
             </a:r>
             <a:r>
               <a:rPr lang="en-US" dirty="0" smtClean="0">
@@ -5849,15 +6216,7 @@
                   <a:schemeClr val="tx1"/>
                 </a:solidFill>
               </a:rPr>
-              <a:t> to update OS and install software for project: Docker, </a:t>
-            </a:r>
-            <a:r>
-              <a:rPr lang="en-US" dirty="0" err="1" smtClean="0">
-                <a:solidFill>
-                  <a:schemeClr val="tx1"/>
-                </a:solidFill>
-              </a:rPr>
-              <a:t>docker-cpmpose</a:t>
+              <a:t>-compose</a:t>
             </a:r>
             <a:r>
               <a:rPr lang="en-US" dirty="0" smtClean="0"/>
@@ -6877,11 +7236,6 @@
                   </a:rPr>
                   <a:t>(test)</a:t>
                 </a:r>
-                <a:endParaRPr lang="en-US" sz="1600" dirty="0" smtClean="0">
-                  <a:solidFill>
-                    <a:schemeClr val="tx1"/>
-                  </a:solidFill>
-                </a:endParaRPr>
               </a:p>
               <a:p>
                 <a:pPr marL="360000" lvl="1" indent="-252000">
@@ -6918,15 +7272,7 @@
                       <a:schemeClr val="tx1"/>
                     </a:solidFill>
                   </a:rPr>
-                  <a:t> </a:t>
-                </a:r>
-                <a:r>
-                  <a:rPr lang="en-US" sz="2400" dirty="0" smtClean="0">
-                    <a:solidFill>
-                      <a:schemeClr val="tx1"/>
-                    </a:solidFill>
-                  </a:rPr>
-                  <a:t>project </a:t>
+                  <a:t> project </a:t>
                 </a:r>
                 <a:r>
                   <a:rPr lang="en-US" sz="1600" dirty="0">
@@ -7004,15 +7350,7 @@
                       <a:schemeClr val="tx1"/>
                     </a:solidFill>
                   </a:rPr>
-                  <a:t> </a:t>
-                </a:r>
-                <a:r>
-                  <a:rPr lang="en-US" sz="2400" dirty="0" smtClean="0">
-                    <a:solidFill>
-                      <a:schemeClr val="tx1"/>
-                    </a:solidFill>
-                  </a:rPr>
-                  <a:t>project </a:t>
+                  <a:t> project </a:t>
                 </a:r>
                 <a:r>
                   <a:rPr lang="en-US" sz="1600" dirty="0" smtClean="0">
@@ -7128,11 +7466,6 @@
                 </a:rPr>
                 <a:t>(prod)</a:t>
               </a:r>
-              <a:endParaRPr lang="en-US" sz="1600" dirty="0" smtClean="0">
-                <a:solidFill>
-                  <a:schemeClr val="tx1"/>
-                </a:solidFill>
-              </a:endParaRPr>
             </a:p>
             <a:p>
               <a:pPr marL="360000" lvl="1" indent="-252000">
@@ -7318,11 +7651,22 @@
             <p:ph type="title"/>
           </p:nvPr>
         </p:nvSpPr>
-        <p:spPr/>
-        <p:txBody>
-          <a:bodyPr/>
+        <p:spPr>
+          <a:xfrm>
+            <a:off x="2231136" y="547443"/>
+            <a:ext cx="7729728" cy="526756"/>
+          </a:xfrm>
+        </p:spPr>
+        <p:txBody>
+          <a:bodyPr>
+            <a:normAutofit fontScale="90000"/>
+          </a:bodyPr>
           <a:lstStyle/>
           <a:p>
+            <a:r>
+              <a:rPr lang="en-US" dirty="0" smtClean="0"/>
+              <a:t>Summary</a:t>
+            </a:r>
             <a:endParaRPr lang="uk-UA" dirty="0"/>
           </a:p>
         </p:txBody>
@@ -7337,12 +7681,75 @@
             <p:ph idx="1"/>
           </p:nvPr>
         </p:nvSpPr>
-        <p:spPr/>
+        <p:spPr>
+          <a:xfrm>
+            <a:off x="2231136" y="1509204"/>
+            <a:ext cx="7729728" cy="4230824"/>
+          </a:xfrm>
+        </p:spPr>
         <p:txBody>
           <a:bodyPr/>
           <a:lstStyle/>
           <a:p>
-            <a:endParaRPr lang="uk-UA"/>
+            <a:pPr marL="0" indent="0">
+              <a:buNone/>
+            </a:pPr>
+            <a:r>
+              <a:rPr lang="en-US" dirty="0" smtClean="0"/>
+              <a:t>This project is the base construction for CI/CD processes:</a:t>
+            </a:r>
+          </a:p>
+          <a:p>
+            <a:r>
+              <a:rPr lang="en-US" dirty="0" smtClean="0"/>
+              <a:t>EC2 Test and Staging environment </a:t>
+            </a:r>
+          </a:p>
+          <a:p>
+            <a:r>
+              <a:rPr lang="en-US" dirty="0" smtClean="0"/>
+              <a:t>EC2 Prod environment</a:t>
+            </a:r>
+          </a:p>
+          <a:p>
+            <a:pPr marL="0" indent="0">
+              <a:buNone/>
+            </a:pPr>
+            <a:endParaRPr lang="en-US" dirty="0"/>
+          </a:p>
+          <a:p>
+            <a:pPr marL="0" indent="0">
+              <a:buNone/>
+            </a:pPr>
+            <a:r>
+              <a:rPr lang="en-US" dirty="0" smtClean="0"/>
+              <a:t>Future evolution of project:</a:t>
+            </a:r>
+          </a:p>
+          <a:p>
+            <a:r>
+              <a:rPr lang="en-US" dirty="0" smtClean="0"/>
+              <a:t>Add new VPC for Prod (public and private subnets)</a:t>
+            </a:r>
+          </a:p>
+          <a:p>
+            <a:r>
+              <a:rPr lang="en-US" dirty="0" smtClean="0"/>
+              <a:t>Create Auto Scaling Group</a:t>
+            </a:r>
+          </a:p>
+          <a:p>
+            <a:r>
+              <a:rPr lang="en-US" dirty="0" smtClean="0"/>
+              <a:t>Create Elastic Load Balancer</a:t>
+            </a:r>
+          </a:p>
+          <a:p>
+            <a:r>
+              <a:rPr lang="en-US" dirty="0" smtClean="0"/>
+              <a:t>Add Bastion for SSH access and NAT Gateway for EC2 instances</a:t>
+            </a:r>
+            <a:endParaRPr lang="uk-UA" dirty="0"/>
           </a:p>
         </p:txBody>
       </p:sp>
